--- a/Документы/Сессия 6/Презентация/Презентация.pptx
+++ b/Документы/Сессия 6/Презентация/Презентация.pptx
@@ -234,7 +234,7 @@
           <a:p>
             <a:fld id="{0FFDBE06-3905-425C-9AB1-6FE253C3F92B}" type="datetimeFigureOut">
               <a:rPr lang="ru-RU" smtClean="0"/>
-              <a:t>12.02.2025</a:t>
+              <a:t>13.02.2025</a:t>
             </a:fld>
             <a:endParaRPr lang="ru-RU"/>
           </a:p>
@@ -1782,6 +1782,47 @@
                 <a:ea typeface="Calibri" panose="020F0502020204030204" pitchFamily="34" charset="0"/>
                 <a:cs typeface="Times New Roman" panose="02020603050405020304" pitchFamily="18" charset="0"/>
               </a:rPr>
+              <a:t>Для чего нужно приложение????????????</a:t>
+            </a:r>
+            <a:endParaRPr lang="en-US" sz="1800" dirty="0">
+              <a:effectLst/>
+              <a:latin typeface="Calibri" panose="020F0502020204030204" pitchFamily="34" charset="0"/>
+              <a:ea typeface="Calibri" panose="020F0502020204030204" pitchFamily="34" charset="0"/>
+              <a:cs typeface="Times New Roman" panose="02020603050405020304" pitchFamily="18" charset="0"/>
+            </a:endParaRPr>
+          </a:p>
+          <a:p>
+            <a:pPr>
+              <a:lnSpc>
+                <a:spcPct val="107000"/>
+              </a:lnSpc>
+              <a:spcAft>
+                <a:spcPts val="800"/>
+              </a:spcAft>
+            </a:pPr>
+            <a:endParaRPr lang="en-US" sz="1800" dirty="0">
+              <a:effectLst/>
+              <a:latin typeface="Calibri" panose="020F0502020204030204" pitchFamily="34" charset="0"/>
+              <a:ea typeface="Calibri" panose="020F0502020204030204" pitchFamily="34" charset="0"/>
+              <a:cs typeface="Times New Roman" panose="02020603050405020304" pitchFamily="18" charset="0"/>
+            </a:endParaRPr>
+          </a:p>
+          <a:p>
+            <a:pPr>
+              <a:lnSpc>
+                <a:spcPct val="107000"/>
+              </a:lnSpc>
+              <a:spcAft>
+                <a:spcPts val="800"/>
+              </a:spcAft>
+            </a:pPr>
+            <a:r>
+              <a:rPr lang="ru-RU" sz="1800" dirty="0">
+                <a:effectLst/>
+                <a:latin typeface="Calibri" panose="020F0502020204030204" pitchFamily="34" charset="0"/>
+                <a:ea typeface="Calibri" panose="020F0502020204030204" pitchFamily="34" charset="0"/>
+                <a:cs typeface="Times New Roman" panose="02020603050405020304" pitchFamily="18" charset="0"/>
+              </a:rPr>
               <a:t>Внедрение данной системы позволит</a:t>
             </a:r>
             <a:r>
@@ -3172,7 +3213,7 @@
           <a:p>
             <a:fld id="{D21F7427-0CFF-46EE-912B-3857C2872D00}" type="datetimeFigureOut">
               <a:rPr lang="ru-RU" smtClean="0"/>
-              <a:t>12.02.2025</a:t>
+              <a:t>13.02.2025</a:t>
             </a:fld>
             <a:endParaRPr lang="ru-RU"/>
           </a:p>
@@ -3502,7 +3543,7 @@
           <a:p>
             <a:fld id="{D21F7427-0CFF-46EE-912B-3857C2872D00}" type="datetimeFigureOut">
               <a:rPr lang="ru-RU" smtClean="0"/>
-              <a:t>12.02.2025</a:t>
+              <a:t>13.02.2025</a:t>
             </a:fld>
             <a:endParaRPr lang="ru-RU"/>
           </a:p>
@@ -3682,7 +3723,7 @@
           <a:p>
             <a:fld id="{D21F7427-0CFF-46EE-912B-3857C2872D00}" type="datetimeFigureOut">
               <a:rPr lang="ru-RU" smtClean="0"/>
-              <a:t>12.02.2025</a:t>
+              <a:t>13.02.2025</a:t>
             </a:fld>
             <a:endParaRPr lang="ru-RU"/>
           </a:p>
@@ -3852,7 +3893,7 @@
           <a:p>
             <a:fld id="{D21F7427-0CFF-46EE-912B-3857C2872D00}" type="datetimeFigureOut">
               <a:rPr lang="ru-RU" smtClean="0"/>
-              <a:t>12.02.2025</a:t>
+              <a:t>13.02.2025</a:t>
             </a:fld>
             <a:endParaRPr lang="ru-RU"/>
           </a:p>
@@ -4129,7 +4170,7 @@
           <a:p>
             <a:fld id="{D21F7427-0CFF-46EE-912B-3857C2872D00}" type="datetimeFigureOut">
               <a:rPr lang="ru-RU" smtClean="0"/>
-              <a:t>12.02.2025</a:t>
+              <a:t>13.02.2025</a:t>
             </a:fld>
             <a:endParaRPr lang="ru-RU"/>
           </a:p>
@@ -4523,7 +4564,7 @@
           <a:p>
             <a:fld id="{D21F7427-0CFF-46EE-912B-3857C2872D00}" type="datetimeFigureOut">
               <a:rPr lang="ru-RU" smtClean="0"/>
-              <a:t>12.02.2025</a:t>
+              <a:t>13.02.2025</a:t>
             </a:fld>
             <a:endParaRPr lang="ru-RU"/>
           </a:p>
@@ -5000,7 +5041,7 @@
           <a:p>
             <a:fld id="{D21F7427-0CFF-46EE-912B-3857C2872D00}" type="datetimeFigureOut">
               <a:rPr lang="ru-RU" smtClean="0"/>
-              <a:t>12.02.2025</a:t>
+              <a:t>13.02.2025</a:t>
             </a:fld>
             <a:endParaRPr lang="ru-RU"/>
           </a:p>
@@ -5118,7 +5159,7 @@
           <a:p>
             <a:fld id="{D21F7427-0CFF-46EE-912B-3857C2872D00}" type="datetimeFigureOut">
               <a:rPr lang="ru-RU" smtClean="0"/>
-              <a:t>12.02.2025</a:t>
+              <a:t>13.02.2025</a:t>
             </a:fld>
             <a:endParaRPr lang="ru-RU"/>
           </a:p>
@@ -5213,7 +5254,7 @@
           <a:p>
             <a:fld id="{D21F7427-0CFF-46EE-912B-3857C2872D00}" type="datetimeFigureOut">
               <a:rPr lang="ru-RU" smtClean="0"/>
-              <a:t>12.02.2025</a:t>
+              <a:t>13.02.2025</a:t>
             </a:fld>
             <a:endParaRPr lang="ru-RU"/>
           </a:p>
@@ -5559,7 +5600,7 @@
           <a:p>
             <a:fld id="{D21F7427-0CFF-46EE-912B-3857C2872D00}" type="datetimeFigureOut">
               <a:rPr lang="ru-RU" smtClean="0"/>
-              <a:t>12.02.2025</a:t>
+              <a:t>13.02.2025</a:t>
             </a:fld>
             <a:endParaRPr lang="ru-RU"/>
           </a:p>
@@ -5947,7 +5988,7 @@
           <a:p>
             <a:fld id="{D21F7427-0CFF-46EE-912B-3857C2872D00}" type="datetimeFigureOut">
               <a:rPr lang="ru-RU" smtClean="0"/>
-              <a:t>12.02.2025</a:t>
+              <a:t>13.02.2025</a:t>
             </a:fld>
             <a:endParaRPr lang="ru-RU"/>
           </a:p>
@@ -6225,7 +6266,7 @@
           <a:p>
             <a:fld id="{D21F7427-0CFF-46EE-912B-3857C2872D00}" type="datetimeFigureOut">
               <a:rPr lang="ru-RU" smtClean="0"/>
-              <a:t>12.02.2025</a:t>
+              <a:t>13.02.2025</a:t>
             </a:fld>
             <a:endParaRPr lang="ru-RU"/>
           </a:p>
@@ -7785,10 +7826,10 @@
       </p:sp>
       <p:pic>
         <p:nvPicPr>
-          <p:cNvPr id="4" name="Рисунок 3">
+          <p:cNvPr id="6" name="Рисунок 5" descr="Изображение выглядит как текст, снимок экрана, Веб-сайт, программное обеспечение&#10;&#10;Автоматически созданное описание">
             <a:extLst>
               <a:ext uri="{FF2B5EF4-FFF2-40B4-BE49-F238E27FC236}">
-                <a16:creationId xmlns:a16="http://schemas.microsoft.com/office/drawing/2014/main" id="{B955509E-6578-0A4C-F558-A240B5F440C8}"/>
+                <a16:creationId xmlns:a16="http://schemas.microsoft.com/office/drawing/2014/main" id="{E22B8063-E48A-7DC0-5864-BCEB614067F7}"/>
               </a:ext>
             </a:extLst>
           </p:cNvPr>
@@ -7798,15 +7839,20 @@
           <p:nvPr/>
         </p:nvPicPr>
         <p:blipFill>
-          <a:blip r:embed="rId3"/>
-          <a:stretch>
-            <a:fillRect/>
-          </a:stretch>
+          <a:blip r:embed="rId3">
+            <a:extLst>
+              <a:ext uri="{28A0092B-C50C-407E-A947-70E740481C1C}">
+                <a14:useLocalDpi xmlns:a14="http://schemas.microsoft.com/office/drawing/2010/main" val="0"/>
+              </a:ext>
+            </a:extLst>
+          </a:blip>
+          <a:srcRect l="1651" t="3333" r="2773" b="1765"/>
+          <a:stretch/>
         </p:blipFill>
         <p:spPr>
           <a:xfrm>
-            <a:off x="5663337" y="3085605"/>
-            <a:ext cx="2953162" cy="3543795"/>
+            <a:off x="5581064" y="2063330"/>
+            <a:ext cx="2924354" cy="4794670"/>
           </a:xfrm>
           <a:prstGeom prst="rect">
             <a:avLst/>
@@ -7815,10 +7861,10 @@
       </p:pic>
       <p:pic>
         <p:nvPicPr>
-          <p:cNvPr id="8" name="Рисунок 7">
+          <p:cNvPr id="9" name="Рисунок 8" descr="Изображение выглядит как текст, электроника, снимок экрана, программное обеспечение&#10;&#10;Автоматически созданное описание">
             <a:extLst>
               <a:ext uri="{FF2B5EF4-FFF2-40B4-BE49-F238E27FC236}">
-                <a16:creationId xmlns:a16="http://schemas.microsoft.com/office/drawing/2014/main" id="{6069ED60-919C-A2B7-FD09-7FB501CE97B7}"/>
+                <a16:creationId xmlns:a16="http://schemas.microsoft.com/office/drawing/2014/main" id="{BBDF67B4-5D4E-15CA-F18E-030347302311}"/>
               </a:ext>
             </a:extLst>
           </p:cNvPr>
@@ -7828,15 +7874,20 @@
           <p:nvPr/>
         </p:nvPicPr>
         <p:blipFill>
-          <a:blip r:embed="rId4"/>
-          <a:stretch>
-            <a:fillRect/>
-          </a:stretch>
+          <a:blip r:embed="rId4">
+            <a:extLst>
+              <a:ext uri="{28A0092B-C50C-407E-A947-70E740481C1C}">
+                <a14:useLocalDpi xmlns:a14="http://schemas.microsoft.com/office/drawing/2010/main" val="0"/>
+              </a:ext>
+            </a:extLst>
+          </a:blip>
+          <a:srcRect l="1387" t="4337" r="1798" b="763"/>
+          <a:stretch/>
         </p:blipFill>
         <p:spPr>
           <a:xfrm>
-            <a:off x="8736018" y="861766"/>
-            <a:ext cx="2915057" cy="3534268"/>
+            <a:off x="8585796" y="277255"/>
+            <a:ext cx="3053978" cy="5007196"/>
           </a:xfrm>
           <a:prstGeom prst="rect">
             <a:avLst/>
@@ -9143,13 +9194,8 @@
           <a:p>
             <a:r>
               <a:rPr lang="ru-RU" dirty="0"/>
-              <a:t>Диаграмма развертывания</a:t>
-            </a:r>
-            <a:r>
-              <a:rPr lang="en-US" dirty="0"/>
-              <a:t> </a:t>
-            </a:r>
-            <a:endParaRPr lang="ru-RU" dirty="0"/>
+              <a:t>Архитектура системы</a:t>
+            </a:r>
           </a:p>
         </p:txBody>
       </p:sp>
@@ -10873,8 +10919,28 @@
           </a:xfrm>
         </p:spPr>
         <p:txBody>
-          <a:bodyPr/>
+          <a:bodyPr>
+            <a:normAutofit fontScale="92500" lnSpcReduction="20000"/>
+          </a:bodyPr>
           <a:lstStyle/>
+          <a:p>
+            <a:pPr marL="0" indent="0">
+              <a:buNone/>
+            </a:pPr>
+            <a:r>
+              <a:rPr lang="ru-RU" dirty="0"/>
+              <a:t>Система, которую я вам представляю, предназначена для получения информации об отделах и сотрудниках, просмотра новостей и списка событий компании.</a:t>
+            </a:r>
+          </a:p>
+          <a:p>
+            <a:pPr marL="0" indent="0">
+              <a:buNone/>
+            </a:pPr>
+            <a:r>
+              <a:rPr lang="ru-RU" dirty="0"/>
+              <a:t>Система состоит из трёх клиентских приложений: окно, мобильного и веб-сайта, о которых сейчас расскажу подробнее.</a:t>
+            </a:r>
+          </a:p>
           <a:p>
             <a:pPr marL="0" indent="0">
               <a:buNone/>
